--- a/SWD-DesignPatternsAssignmentGroup11-Mediator-presentation.pptx
+++ b/SWD-DesignPatternsAssignmentGroup11-Mediator-presentation.pptx
@@ -477,7 +477,7 @@
           <a:p>
             <a:fld id="{C6A99D60-0761-488F-9DD7-6BF9BE394889}" type="slidenum">
               <a:rPr lang="da-DK" smtClean="0"/>
-              <a:t>‹#›</a:t>
+              <a:t>‹nr.›</a:t>
             </a:fld>
             <a:endParaRPr lang="da-DK"/>
           </a:p>
@@ -734,7 +734,7 @@
           <a:p>
             <a:fld id="{C6A99D60-0761-488F-9DD7-6BF9BE394889}" type="slidenum">
               <a:rPr lang="da-DK" smtClean="0"/>
-              <a:t>‹#›</a:t>
+              <a:t>‹nr.›</a:t>
             </a:fld>
             <a:endParaRPr lang="da-DK"/>
           </a:p>
@@ -975,7 +975,7 @@
           <a:p>
             <a:fld id="{C6A99D60-0761-488F-9DD7-6BF9BE394889}" type="slidenum">
               <a:rPr lang="da-DK" smtClean="0"/>
-              <a:t>‹#›</a:t>
+              <a:t>‹nr.›</a:t>
             </a:fld>
             <a:endParaRPr lang="da-DK"/>
           </a:p>
@@ -1285,7 +1285,7 @@
           <a:p>
             <a:fld id="{C6A99D60-0761-488F-9DD7-6BF9BE394889}" type="slidenum">
               <a:rPr lang="da-DK" smtClean="0"/>
-              <a:t>‹#›</a:t>
+              <a:t>‹nr.›</a:t>
             </a:fld>
             <a:endParaRPr lang="da-DK"/>
           </a:p>
@@ -1758,7 +1758,7 @@
           <a:p>
             <a:fld id="{C6A99D60-0761-488F-9DD7-6BF9BE394889}" type="slidenum">
               <a:rPr lang="da-DK" smtClean="0"/>
-              <a:t>‹#›</a:t>
+              <a:t>‹nr.›</a:t>
             </a:fld>
             <a:endParaRPr lang="da-DK"/>
           </a:p>
@@ -2295,7 +2295,7 @@
           <a:p>
             <a:fld id="{C6A99D60-0761-488F-9DD7-6BF9BE394889}" type="slidenum">
               <a:rPr lang="da-DK" smtClean="0"/>
-              <a:t>‹#›</a:t>
+              <a:t>‹nr.›</a:t>
             </a:fld>
             <a:endParaRPr lang="da-DK"/>
           </a:p>
@@ -3069,7 +3069,7 @@
           <a:p>
             <a:fld id="{C6A99D60-0761-488F-9DD7-6BF9BE394889}" type="slidenum">
               <a:rPr lang="da-DK" smtClean="0"/>
-              <a:t>‹#›</a:t>
+              <a:t>‹nr.›</a:t>
             </a:fld>
             <a:endParaRPr lang="da-DK"/>
           </a:p>
@@ -3244,7 +3244,7 @@
           <a:p>
             <a:fld id="{C6A99D60-0761-488F-9DD7-6BF9BE394889}" type="slidenum">
               <a:rPr lang="da-DK" smtClean="0"/>
-              <a:t>‹#›</a:t>
+              <a:t>‹nr.›</a:t>
             </a:fld>
             <a:endParaRPr lang="da-DK"/>
           </a:p>
@@ -3477,7 +3477,7 @@
           <a:p>
             <a:fld id="{C6A99D60-0761-488F-9DD7-6BF9BE394889}" type="slidenum">
               <a:rPr lang="da-DK" smtClean="0"/>
-              <a:t>‹#›</a:t>
+              <a:t>‹nr.›</a:t>
             </a:fld>
             <a:endParaRPr lang="da-DK"/>
           </a:p>
@@ -3647,7 +3647,7 @@
           <a:p>
             <a:fld id="{C6A99D60-0761-488F-9DD7-6BF9BE394889}" type="slidenum">
               <a:rPr lang="da-DK" smtClean="0"/>
-              <a:t>‹#›</a:t>
+              <a:t>‹nr.›</a:t>
             </a:fld>
             <a:endParaRPr lang="da-DK"/>
           </a:p>
@@ -3946,7 +3946,7 @@
           <a:p>
             <a:fld id="{C6A99D60-0761-488F-9DD7-6BF9BE394889}" type="slidenum">
               <a:rPr lang="da-DK" smtClean="0"/>
-              <a:t>‹#›</a:t>
+              <a:t>‹nr.›</a:t>
             </a:fld>
             <a:endParaRPr lang="da-DK"/>
           </a:p>
@@ -4178,7 +4178,7 @@
           <a:p>
             <a:fld id="{C6A99D60-0761-488F-9DD7-6BF9BE394889}" type="slidenum">
               <a:rPr lang="da-DK" smtClean="0"/>
-              <a:t>‹#›</a:t>
+              <a:t>‹nr.›</a:t>
             </a:fld>
             <a:endParaRPr lang="da-DK"/>
           </a:p>
@@ -4557,7 +4557,7 @@
           <a:p>
             <a:fld id="{C6A99D60-0761-488F-9DD7-6BF9BE394889}" type="slidenum">
               <a:rPr lang="da-DK" smtClean="0"/>
-              <a:t>‹#›</a:t>
+              <a:t>‹nr.›</a:t>
             </a:fld>
             <a:endParaRPr lang="da-DK"/>
           </a:p>
@@ -4675,7 +4675,7 @@
           <a:p>
             <a:fld id="{C6A99D60-0761-488F-9DD7-6BF9BE394889}" type="slidenum">
               <a:rPr lang="da-DK" smtClean="0"/>
-              <a:t>‹#›</a:t>
+              <a:t>‹nr.›</a:t>
             </a:fld>
             <a:endParaRPr lang="da-DK"/>
           </a:p>
@@ -4770,7 +4770,7 @@
           <a:p>
             <a:fld id="{C6A99D60-0761-488F-9DD7-6BF9BE394889}" type="slidenum">
               <a:rPr lang="da-DK" smtClean="0"/>
-              <a:t>‹#›</a:t>
+              <a:t>‹nr.›</a:t>
             </a:fld>
             <a:endParaRPr lang="da-DK"/>
           </a:p>
@@ -5019,7 +5019,7 @@
           <a:p>
             <a:fld id="{C6A99D60-0761-488F-9DD7-6BF9BE394889}" type="slidenum">
               <a:rPr lang="da-DK" smtClean="0"/>
-              <a:t>‹#›</a:t>
+              <a:t>‹nr.›</a:t>
             </a:fld>
             <a:endParaRPr lang="da-DK"/>
           </a:p>
@@ -5276,7 +5276,7 @@
           <a:p>
             <a:fld id="{C6A99D60-0761-488F-9DD7-6BF9BE394889}" type="slidenum">
               <a:rPr lang="da-DK" smtClean="0"/>
-              <a:t>‹#›</a:t>
+              <a:t>‹nr.›</a:t>
             </a:fld>
             <a:endParaRPr lang="da-DK"/>
           </a:p>
@@ -5555,7 +5555,7 @@
           <a:p>
             <a:fld id="{C6A99D60-0761-488F-9DD7-6BF9BE394889}" type="slidenum">
               <a:rPr lang="da-DK" smtClean="0"/>
-              <a:t>‹#›</a:t>
+              <a:t>‹nr.›</a:t>
             </a:fld>
             <a:endParaRPr lang="da-DK"/>
           </a:p>
@@ -6979,6 +6979,42 @@
           </a:p>
         </p:txBody>
       </p:sp>
+      <p:pic>
+        <p:nvPicPr>
+          <p:cNvPr id="5" name="Billede 4" descr="Et billede, der indeholder tekst, græs, sidder, sort&#10;&#10;Automatisk genereret beskrivelse">
+            <a:extLst>
+              <a:ext uri="{FF2B5EF4-FFF2-40B4-BE49-F238E27FC236}">
+                <a16:creationId xmlns:a16="http://schemas.microsoft.com/office/drawing/2014/main" id="{CE9FA8C0-3631-4893-9C53-62EDE5247C2F}"/>
+              </a:ext>
+            </a:extLst>
+          </p:cNvPr>
+          <p:cNvPicPr>
+            <a:picLocks noChangeAspect="1"/>
+          </p:cNvPicPr>
+          <p:nvPr/>
+        </p:nvPicPr>
+        <p:blipFill>
+          <a:blip r:embed="rId2">
+            <a:extLst>
+              <a:ext uri="{28A0092B-C50C-407E-A947-70E740481C1C}">
+                <a14:useLocalDpi xmlns:a14="http://schemas.microsoft.com/office/drawing/2010/main" val="0"/>
+              </a:ext>
+            </a:extLst>
+          </a:blip>
+          <a:stretch>
+            <a:fillRect/>
+          </a:stretch>
+        </p:blipFill>
+        <p:spPr>
+          <a:xfrm>
+            <a:off x="7043374" y="2057401"/>
+            <a:ext cx="4462826" cy="4161284"/>
+          </a:xfrm>
+          <a:prstGeom prst="rect">
+            <a:avLst/>
+          </a:prstGeom>
+        </p:spPr>
+      </p:pic>
     </p:spTree>
     <p:extLst>
       <p:ext uri="{BB962C8B-B14F-4D97-AF65-F5344CB8AC3E}">

--- a/SWD-DesignPatternsAssignmentGroup11-Mediator-presentation.pptx
+++ b/SWD-DesignPatternsAssignmentGroup11-Mediator-presentation.pptx
@@ -120,16 +120,32 @@
 </p:presentation>
 </file>
 
-<file path=ppt/revisionInfo.xml><?xml version="1.0" encoding="utf-8"?>
-<p1510:revInfo xmlns:a="http://schemas.openxmlformats.org/drawingml/2006/main" xmlns:r="http://schemas.openxmlformats.org/officeDocument/2006/relationships" xmlns:p1510="http://schemas.microsoft.com/office/powerpoint/2015/10/main">
-  <p1510:revLst>
-    <p1510:client id="{879473F3-959D-4AFC-894D-EB20665161AF}" v="35" dt="2020-03-27T09:13:05.225"/>
-  </p1510:revLst>
-</p1510:revInfo>
-</file>
-
 <file path=ppt/changesInfos/changesInfo1.xml><?xml version="1.0" encoding="utf-8"?>
 <pc:chgInfo xmlns:a="http://schemas.openxmlformats.org/drawingml/2006/main" xmlns:r="http://schemas.openxmlformats.org/officeDocument/2006/relationships" xmlns:ac="http://schemas.microsoft.com/office/drawing/2013/main/command" xmlns:pc="http://schemas.microsoft.com/office/powerpoint/2013/main/command">
+  <pc:docChgLst>
+    <pc:chgData name="Maja Louisa Sitanala Andersen" userId="5accb5a56422da8c" providerId="LiveId" clId="{07B01EBB-C3BA-44AC-807C-360A36D73B68}"/>
+    <pc:docChg chg="modSld">
+      <pc:chgData name="Maja Louisa Sitanala Andersen" userId="5accb5a56422da8c" providerId="LiveId" clId="{07B01EBB-C3BA-44AC-807C-360A36D73B68}" dt="2020-03-29T08:55:34.370" v="35" actId="20577"/>
+      <pc:docMkLst>
+        <pc:docMk/>
+      </pc:docMkLst>
+      <pc:sldChg chg="modSp mod">
+        <pc:chgData name="Maja Louisa Sitanala Andersen" userId="5accb5a56422da8c" providerId="LiveId" clId="{07B01EBB-C3BA-44AC-807C-360A36D73B68}" dt="2020-03-29T08:55:34.370" v="35" actId="20577"/>
+        <pc:sldMkLst>
+          <pc:docMk/>
+          <pc:sldMk cId="553546368" sldId="258"/>
+        </pc:sldMkLst>
+        <pc:spChg chg="mod">
+          <ac:chgData name="Maja Louisa Sitanala Andersen" userId="5accb5a56422da8c" providerId="LiveId" clId="{07B01EBB-C3BA-44AC-807C-360A36D73B68}" dt="2020-03-29T08:55:34.370" v="35" actId="20577"/>
+          <ac:spMkLst>
+            <pc:docMk/>
+            <pc:sldMk cId="553546368" sldId="258"/>
+            <ac:spMk id="3" creationId="{2BD34812-E824-4140-B1E8-63F38B64021D}"/>
+          </ac:spMkLst>
+        </pc:spChg>
+      </pc:sldChg>
+    </pc:docChg>
+  </pc:docChgLst>
   <pc:docChgLst>
     <pc:chgData name="Alexander Winther Hoffmann" userId="49c7053b-15d7-4564-bcb8-6f02d470d96d" providerId="ADAL" clId="{879473F3-959D-4AFC-894D-EB20665161AF}"/>
     <pc:docChg chg="undo custSel addSld modSld">
@@ -425,7 +441,7 @@
           <a:p>
             <a:fld id="{EE1DA89A-491E-4359-9FCE-FE77BF583A05}" type="datetimeFigureOut">
               <a:rPr lang="da-DK" smtClean="0"/>
-              <a:t>27-03-2020</a:t>
+              <a:t>29-03-2020</a:t>
             </a:fld>
             <a:endParaRPr lang="da-DK"/>
           </a:p>
@@ -477,7 +493,7 @@
           <a:p>
             <a:fld id="{C6A99D60-0761-488F-9DD7-6BF9BE394889}" type="slidenum">
               <a:rPr lang="da-DK" smtClean="0"/>
-              <a:t>‹nr.›</a:t>
+              <a:t>‹#›</a:t>
             </a:fld>
             <a:endParaRPr lang="da-DK"/>
           </a:p>
@@ -692,7 +708,7 @@
           <a:p>
             <a:fld id="{EE1DA89A-491E-4359-9FCE-FE77BF583A05}" type="datetimeFigureOut">
               <a:rPr lang="da-DK" smtClean="0"/>
-              <a:t>27-03-2020</a:t>
+              <a:t>29-03-2020</a:t>
             </a:fld>
             <a:endParaRPr lang="da-DK"/>
           </a:p>
@@ -734,7 +750,7 @@
           <a:p>
             <a:fld id="{C6A99D60-0761-488F-9DD7-6BF9BE394889}" type="slidenum">
               <a:rPr lang="da-DK" smtClean="0"/>
-              <a:t>‹nr.›</a:t>
+              <a:t>‹#›</a:t>
             </a:fld>
             <a:endParaRPr lang="da-DK"/>
           </a:p>
@@ -923,7 +939,7 @@
           <a:p>
             <a:fld id="{EE1DA89A-491E-4359-9FCE-FE77BF583A05}" type="datetimeFigureOut">
               <a:rPr lang="da-DK" smtClean="0"/>
-              <a:t>27-03-2020</a:t>
+              <a:t>29-03-2020</a:t>
             </a:fld>
             <a:endParaRPr lang="da-DK"/>
           </a:p>
@@ -975,7 +991,7 @@
           <a:p>
             <a:fld id="{C6A99D60-0761-488F-9DD7-6BF9BE394889}" type="slidenum">
               <a:rPr lang="da-DK" smtClean="0"/>
-              <a:t>‹nr.›</a:t>
+              <a:t>‹#›</a:t>
             </a:fld>
             <a:endParaRPr lang="da-DK"/>
           </a:p>
@@ -1233,7 +1249,7 @@
           <a:p>
             <a:fld id="{EE1DA89A-491E-4359-9FCE-FE77BF583A05}" type="datetimeFigureOut">
               <a:rPr lang="da-DK" smtClean="0"/>
-              <a:t>27-03-2020</a:t>
+              <a:t>29-03-2020</a:t>
             </a:fld>
             <a:endParaRPr lang="da-DK"/>
           </a:p>
@@ -1285,7 +1301,7 @@
           <a:p>
             <a:fld id="{C6A99D60-0761-488F-9DD7-6BF9BE394889}" type="slidenum">
               <a:rPr lang="da-DK" smtClean="0"/>
-              <a:t>‹nr.›</a:t>
+              <a:t>‹#›</a:t>
             </a:fld>
             <a:endParaRPr lang="da-DK"/>
           </a:p>
@@ -1706,7 +1722,7 @@
           <a:p>
             <a:fld id="{EE1DA89A-491E-4359-9FCE-FE77BF583A05}" type="datetimeFigureOut">
               <a:rPr lang="da-DK" smtClean="0"/>
-              <a:t>27-03-2020</a:t>
+              <a:t>29-03-2020</a:t>
             </a:fld>
             <a:endParaRPr lang="da-DK"/>
           </a:p>
@@ -1758,7 +1774,7 @@
           <a:p>
             <a:fld id="{C6A99D60-0761-488F-9DD7-6BF9BE394889}" type="slidenum">
               <a:rPr lang="da-DK" smtClean="0"/>
-              <a:t>‹nr.›</a:t>
+              <a:t>‹#›</a:t>
             </a:fld>
             <a:endParaRPr lang="da-DK"/>
           </a:p>
@@ -2253,7 +2269,7 @@
           <a:p>
             <a:fld id="{EE1DA89A-491E-4359-9FCE-FE77BF583A05}" type="datetimeFigureOut">
               <a:rPr lang="da-DK" smtClean="0"/>
-              <a:t>27-03-2020</a:t>
+              <a:t>29-03-2020</a:t>
             </a:fld>
             <a:endParaRPr lang="da-DK"/>
           </a:p>
@@ -2295,7 +2311,7 @@
           <a:p>
             <a:fld id="{C6A99D60-0761-488F-9DD7-6BF9BE394889}" type="slidenum">
               <a:rPr lang="da-DK" smtClean="0"/>
-              <a:t>‹nr.›</a:t>
+              <a:t>‹#›</a:t>
             </a:fld>
             <a:endParaRPr lang="da-DK"/>
           </a:p>
@@ -3027,7 +3043,7 @@
           <a:p>
             <a:fld id="{EE1DA89A-491E-4359-9FCE-FE77BF583A05}" type="datetimeFigureOut">
               <a:rPr lang="da-DK" smtClean="0"/>
-              <a:t>27-03-2020</a:t>
+              <a:t>29-03-2020</a:t>
             </a:fld>
             <a:endParaRPr lang="da-DK"/>
           </a:p>
@@ -3069,7 +3085,7 @@
           <a:p>
             <a:fld id="{C6A99D60-0761-488F-9DD7-6BF9BE394889}" type="slidenum">
               <a:rPr lang="da-DK" smtClean="0"/>
-              <a:t>‹nr.›</a:t>
+              <a:t>‹#›</a:t>
             </a:fld>
             <a:endParaRPr lang="da-DK"/>
           </a:p>
@@ -3202,7 +3218,7 @@
           <a:p>
             <a:fld id="{EE1DA89A-491E-4359-9FCE-FE77BF583A05}" type="datetimeFigureOut">
               <a:rPr lang="da-DK" smtClean="0"/>
-              <a:t>27-03-2020</a:t>
+              <a:t>29-03-2020</a:t>
             </a:fld>
             <a:endParaRPr lang="da-DK"/>
           </a:p>
@@ -3244,7 +3260,7 @@
           <a:p>
             <a:fld id="{C6A99D60-0761-488F-9DD7-6BF9BE394889}" type="slidenum">
               <a:rPr lang="da-DK" smtClean="0"/>
-              <a:t>‹nr.›</a:t>
+              <a:t>‹#›</a:t>
             </a:fld>
             <a:endParaRPr lang="da-DK"/>
           </a:p>
@@ -3425,7 +3441,7 @@
           <a:p>
             <a:fld id="{EE1DA89A-491E-4359-9FCE-FE77BF583A05}" type="datetimeFigureOut">
               <a:rPr lang="da-DK" smtClean="0"/>
-              <a:t>27-03-2020</a:t>
+              <a:t>29-03-2020</a:t>
             </a:fld>
             <a:endParaRPr lang="da-DK"/>
           </a:p>
@@ -3477,7 +3493,7 @@
           <a:p>
             <a:fld id="{C6A99D60-0761-488F-9DD7-6BF9BE394889}" type="slidenum">
               <a:rPr lang="da-DK" smtClean="0"/>
-              <a:t>‹nr.›</a:t>
+              <a:t>‹#›</a:t>
             </a:fld>
             <a:endParaRPr lang="da-DK"/>
           </a:p>
@@ -3605,7 +3621,7 @@
           <a:p>
             <a:fld id="{EE1DA89A-491E-4359-9FCE-FE77BF583A05}" type="datetimeFigureOut">
               <a:rPr lang="da-DK" smtClean="0"/>
-              <a:t>27-03-2020</a:t>
+              <a:t>29-03-2020</a:t>
             </a:fld>
             <a:endParaRPr lang="da-DK"/>
           </a:p>
@@ -3647,7 +3663,7 @@
           <a:p>
             <a:fld id="{C6A99D60-0761-488F-9DD7-6BF9BE394889}" type="slidenum">
               <a:rPr lang="da-DK" smtClean="0"/>
-              <a:t>‹nr.›</a:t>
+              <a:t>‹#›</a:t>
             </a:fld>
             <a:endParaRPr lang="da-DK"/>
           </a:p>
@@ -3894,7 +3910,7 @@
           <a:p>
             <a:fld id="{EE1DA89A-491E-4359-9FCE-FE77BF583A05}" type="datetimeFigureOut">
               <a:rPr lang="da-DK" smtClean="0"/>
-              <a:t>27-03-2020</a:t>
+              <a:t>29-03-2020</a:t>
             </a:fld>
             <a:endParaRPr lang="da-DK"/>
           </a:p>
@@ -3946,7 +3962,7 @@
           <a:p>
             <a:fld id="{C6A99D60-0761-488F-9DD7-6BF9BE394889}" type="slidenum">
               <a:rPr lang="da-DK" smtClean="0"/>
-              <a:t>‹nr.›</a:t>
+              <a:t>‹#›</a:t>
             </a:fld>
             <a:endParaRPr lang="da-DK"/>
           </a:p>
@@ -4136,7 +4152,7 @@
           <a:p>
             <a:fld id="{EE1DA89A-491E-4359-9FCE-FE77BF583A05}" type="datetimeFigureOut">
               <a:rPr lang="da-DK" smtClean="0"/>
-              <a:t>27-03-2020</a:t>
+              <a:t>29-03-2020</a:t>
             </a:fld>
             <a:endParaRPr lang="da-DK"/>
           </a:p>
@@ -4178,7 +4194,7 @@
           <a:p>
             <a:fld id="{C6A99D60-0761-488F-9DD7-6BF9BE394889}" type="slidenum">
               <a:rPr lang="da-DK" smtClean="0"/>
-              <a:t>‹nr.›</a:t>
+              <a:t>‹#›</a:t>
             </a:fld>
             <a:endParaRPr lang="da-DK"/>
           </a:p>
@@ -4515,7 +4531,7 @@
           <a:p>
             <a:fld id="{EE1DA89A-491E-4359-9FCE-FE77BF583A05}" type="datetimeFigureOut">
               <a:rPr lang="da-DK" smtClean="0"/>
-              <a:t>27-03-2020</a:t>
+              <a:t>29-03-2020</a:t>
             </a:fld>
             <a:endParaRPr lang="da-DK"/>
           </a:p>
@@ -4557,7 +4573,7 @@
           <a:p>
             <a:fld id="{C6A99D60-0761-488F-9DD7-6BF9BE394889}" type="slidenum">
               <a:rPr lang="da-DK" smtClean="0"/>
-              <a:t>‹nr.›</a:t>
+              <a:t>‹#›</a:t>
             </a:fld>
             <a:endParaRPr lang="da-DK"/>
           </a:p>
@@ -4633,7 +4649,7 @@
           <a:p>
             <a:fld id="{EE1DA89A-491E-4359-9FCE-FE77BF583A05}" type="datetimeFigureOut">
               <a:rPr lang="da-DK" smtClean="0"/>
-              <a:t>27-03-2020</a:t>
+              <a:t>29-03-2020</a:t>
             </a:fld>
             <a:endParaRPr lang="da-DK"/>
           </a:p>
@@ -4675,7 +4691,7 @@
           <a:p>
             <a:fld id="{C6A99D60-0761-488F-9DD7-6BF9BE394889}" type="slidenum">
               <a:rPr lang="da-DK" smtClean="0"/>
-              <a:t>‹nr.›</a:t>
+              <a:t>‹#›</a:t>
             </a:fld>
             <a:endParaRPr lang="da-DK"/>
           </a:p>
@@ -4728,7 +4744,7 @@
           <a:p>
             <a:fld id="{EE1DA89A-491E-4359-9FCE-FE77BF583A05}" type="datetimeFigureOut">
               <a:rPr lang="da-DK" smtClean="0"/>
-              <a:t>27-03-2020</a:t>
+              <a:t>29-03-2020</a:t>
             </a:fld>
             <a:endParaRPr lang="da-DK"/>
           </a:p>
@@ -4770,7 +4786,7 @@
           <a:p>
             <a:fld id="{C6A99D60-0761-488F-9DD7-6BF9BE394889}" type="slidenum">
               <a:rPr lang="da-DK" smtClean="0"/>
-              <a:t>‹nr.›</a:t>
+              <a:t>‹#›</a:t>
             </a:fld>
             <a:endParaRPr lang="da-DK"/>
           </a:p>
@@ -4977,7 +4993,7 @@
           <a:p>
             <a:fld id="{EE1DA89A-491E-4359-9FCE-FE77BF583A05}" type="datetimeFigureOut">
               <a:rPr lang="da-DK" smtClean="0"/>
-              <a:t>27-03-2020</a:t>
+              <a:t>29-03-2020</a:t>
             </a:fld>
             <a:endParaRPr lang="da-DK"/>
           </a:p>
@@ -5019,7 +5035,7 @@
           <a:p>
             <a:fld id="{C6A99D60-0761-488F-9DD7-6BF9BE394889}" type="slidenum">
               <a:rPr lang="da-DK" smtClean="0"/>
-              <a:t>‹nr.›</a:t>
+              <a:t>‹#›</a:t>
             </a:fld>
             <a:endParaRPr lang="da-DK"/>
           </a:p>
@@ -5234,7 +5250,7 @@
           <a:p>
             <a:fld id="{EE1DA89A-491E-4359-9FCE-FE77BF583A05}" type="datetimeFigureOut">
               <a:rPr lang="da-DK" smtClean="0"/>
-              <a:t>27-03-2020</a:t>
+              <a:t>29-03-2020</a:t>
             </a:fld>
             <a:endParaRPr lang="da-DK"/>
           </a:p>
@@ -5276,7 +5292,7 @@
           <a:p>
             <a:fld id="{C6A99D60-0761-488F-9DD7-6BF9BE394889}" type="slidenum">
               <a:rPr lang="da-DK" smtClean="0"/>
-              <a:t>‹nr.›</a:t>
+              <a:t>‹#›</a:t>
             </a:fld>
             <a:endParaRPr lang="da-DK"/>
           </a:p>
@@ -5477,7 +5493,7 @@
           <a:p>
             <a:fld id="{EE1DA89A-491E-4359-9FCE-FE77BF583A05}" type="datetimeFigureOut">
               <a:rPr lang="da-DK" smtClean="0"/>
-              <a:t>27-03-2020</a:t>
+              <a:t>29-03-2020</a:t>
             </a:fld>
             <a:endParaRPr lang="da-DK"/>
           </a:p>
@@ -5555,7 +5571,7 @@
           <a:p>
             <a:fld id="{C6A99D60-0761-488F-9DD7-6BF9BE394889}" type="slidenum">
               <a:rPr lang="da-DK" smtClean="0"/>
-              <a:t>‹nr.›</a:t>
+              <a:t>‹#›</a:t>
             </a:fld>
             <a:endParaRPr lang="da-DK"/>
           </a:p>
@@ -6131,8 +6147,13 @@
           <a:p>
             <a:r>
               <a:rPr lang="da-DK" dirty="0"/>
-              <a:t>Hvorfor skal det anvendes</a:t>
-            </a:r>
+              <a:t>Mindsker afhængighed </a:t>
+            </a:r>
+            <a:r>
+              <a:rPr lang="da-DK"/>
+              <a:t>mellem objekter</a:t>
+            </a:r>
+            <a:endParaRPr lang="da-DK" dirty="0"/>
           </a:p>
           <a:p>
             <a:endParaRPr lang="da-DK" dirty="0"/>
